--- a/lectures/14/1_Presentation Day.pptx
+++ b/lectures/14/1_Presentation Day.pptx
@@ -217,7 +217,7 @@
           <a:p>
             <a:fld id="{73B2889B-A0AC-4482-8592-5C96F2309420}" type="datetimeFigureOut">
               <a:rPr lang="en-US" smtClean="0"/>
-              <a:t>11/14/2021</a:t>
+              <a:t>4/24/2022</a:t>
             </a:fld>
             <a:endParaRPr lang="en-US"/>
           </a:p>
@@ -394,7 +394,7 @@
           <a:p>
             <a:fld id="{830EB223-FFC0-462A-A3B8-EAA7CE0F8CBD}" type="datetimeFigureOut">
               <a:rPr lang="en-US" smtClean="0"/>
-              <a:t>11/14/2021</a:t>
+              <a:t>4/24/2022</a:t>
             </a:fld>
             <a:endParaRPr lang="en-US" dirty="0"/>
           </a:p>
@@ -801,15 +801,7 @@
           <a:p>
             <a:r>
               <a:rPr lang="en-US" dirty="0"/>
-              <a:t>Click </a:t>
-            </a:r>
-            <a:r>
-              <a:rPr lang="en-US" dirty="0" err="1"/>
-              <a:t>qualtircs</a:t>
-            </a:r>
-            <a:r>
-              <a:rPr lang="en-US" dirty="0"/>
-              <a:t> survey </a:t>
+              <a:t>Click Qualtrics survey </a:t>
             </a:r>
           </a:p>
           <a:p>
@@ -1251,7 +1243,7 @@
           <a:p>
             <a:fld id="{DECF21A4-E71B-4D3A-AF45-E989C23A7BB1}" type="datetimeFigureOut">
               <a:rPr lang="en-US" smtClean="0"/>
-              <a:t>11/14/2021</a:t>
+              <a:t>4/24/2022</a:t>
             </a:fld>
             <a:endParaRPr lang="en-US" dirty="0"/>
           </a:p>
@@ -1449,7 +1441,7 @@
           <a:p>
             <a:fld id="{DECF21A4-E71B-4D3A-AF45-E989C23A7BB1}" type="datetimeFigureOut">
               <a:rPr lang="en-US" smtClean="0"/>
-              <a:t>11/14/2021</a:t>
+              <a:t>4/24/2022</a:t>
             </a:fld>
             <a:endParaRPr lang="en-US" dirty="0"/>
           </a:p>
@@ -1657,7 +1649,7 @@
           <a:p>
             <a:fld id="{DECF21A4-E71B-4D3A-AF45-E989C23A7BB1}" type="datetimeFigureOut">
               <a:rPr lang="en-US" smtClean="0"/>
-              <a:t>11/14/2021</a:t>
+              <a:t>4/24/2022</a:t>
             </a:fld>
             <a:endParaRPr lang="en-US" dirty="0"/>
           </a:p>
@@ -1855,7 +1847,7 @@
           <a:p>
             <a:fld id="{DECF21A4-E71B-4D3A-AF45-E989C23A7BB1}" type="datetimeFigureOut">
               <a:rPr lang="en-US" smtClean="0"/>
-              <a:t>11/14/2021</a:t>
+              <a:t>4/24/2022</a:t>
             </a:fld>
             <a:endParaRPr lang="en-US" dirty="0"/>
           </a:p>
@@ -2130,7 +2122,7 @@
           <a:p>
             <a:fld id="{DECF21A4-E71B-4D3A-AF45-E989C23A7BB1}" type="datetimeFigureOut">
               <a:rPr lang="en-US" smtClean="0"/>
-              <a:t>11/14/2021</a:t>
+              <a:t>4/24/2022</a:t>
             </a:fld>
             <a:endParaRPr lang="en-US" dirty="0"/>
           </a:p>
@@ -2395,7 +2387,7 @@
           <a:p>
             <a:fld id="{DECF21A4-E71B-4D3A-AF45-E989C23A7BB1}" type="datetimeFigureOut">
               <a:rPr lang="en-US" smtClean="0"/>
-              <a:t>11/14/2021</a:t>
+              <a:t>4/24/2022</a:t>
             </a:fld>
             <a:endParaRPr lang="en-US" dirty="0"/>
           </a:p>
@@ -2807,7 +2799,7 @@
           <a:p>
             <a:fld id="{DECF21A4-E71B-4D3A-AF45-E989C23A7BB1}" type="datetimeFigureOut">
               <a:rPr lang="en-US" smtClean="0"/>
-              <a:t>11/14/2021</a:t>
+              <a:t>4/24/2022</a:t>
             </a:fld>
             <a:endParaRPr lang="en-US" dirty="0"/>
           </a:p>
@@ -2948,7 +2940,7 @@
           <a:p>
             <a:fld id="{DECF21A4-E71B-4D3A-AF45-E989C23A7BB1}" type="datetimeFigureOut">
               <a:rPr lang="en-US" smtClean="0"/>
-              <a:t>11/14/2021</a:t>
+              <a:t>4/24/2022</a:t>
             </a:fld>
             <a:endParaRPr lang="en-US" dirty="0"/>
           </a:p>
@@ -3061,7 +3053,7 @@
           <a:p>
             <a:fld id="{DECF21A4-E71B-4D3A-AF45-E989C23A7BB1}" type="datetimeFigureOut">
               <a:rPr lang="en-US" smtClean="0"/>
-              <a:t>11/14/2021</a:t>
+              <a:t>4/24/2022</a:t>
             </a:fld>
             <a:endParaRPr lang="en-US" dirty="0"/>
           </a:p>
@@ -3372,7 +3364,7 @@
           <a:p>
             <a:fld id="{DECF21A4-E71B-4D3A-AF45-E989C23A7BB1}" type="datetimeFigureOut">
               <a:rPr lang="en-US" smtClean="0"/>
-              <a:t>11/14/2021</a:t>
+              <a:t>4/24/2022</a:t>
             </a:fld>
             <a:endParaRPr lang="en-US" dirty="0"/>
           </a:p>
@@ -3664,7 +3656,7 @@
           <a:p>
             <a:fld id="{DECF21A4-E71B-4D3A-AF45-E989C23A7BB1}" type="datetimeFigureOut">
               <a:rPr lang="en-US" smtClean="0"/>
-              <a:t>11/14/2021</a:t>
+              <a:t>4/24/2022</a:t>
             </a:fld>
             <a:endParaRPr lang="en-US" dirty="0"/>
           </a:p>
@@ -3905,7 +3897,7 @@
           <a:p>
             <a:fld id="{DECF21A4-E71B-4D3A-AF45-E989C23A7BB1}" type="datetimeFigureOut">
               <a:rPr lang="en-US" smtClean="0"/>
-              <a:t>11/14/2021</a:t>
+              <a:t>4/24/2022</a:t>
             </a:fld>
             <a:endParaRPr lang="en-US" dirty="0"/>
           </a:p>
@@ -6164,80 +6156,81 @@
           <a:lstStyle/>
           <a:p>
             <a:r>
-              <a:rPr lang="en-US" sz="1400"/>
+              <a:rPr lang="en-US" sz="1400" dirty="0"/>
               <a:t>Presentation Critique </a:t>
             </a:r>
           </a:p>
           <a:p>
             <a:pPr lvl="1"/>
             <a:r>
-              <a:rPr lang="en-US" sz="1400">
+              <a:rPr lang="en-US" sz="1400" dirty="0">
                 <a:hlinkClick r:id="rId3"/>
               </a:rPr>
               <a:t>https://missouri.qualtrics.com/jfe/form/SV_0xPBVxlRxxOmejQ</a:t>
             </a:r>
-            <a:endParaRPr lang="en-US" sz="1400"/>
-          </a:p>
-          <a:p>
+            <a:endParaRPr lang="en-US" sz="1400" dirty="0"/>
+          </a:p>
+          <a:p>
+            <a:r>
+              <a:rPr lang="en-US" sz="1400" dirty="0"/>
+              <a:t>One submission per group for every group that presents </a:t>
+            </a:r>
+          </a:p>
+          <a:p>
+            <a:r>
+              <a:rPr lang="en-US" sz="1400" dirty="0"/>
+              <a:t>Each team will have 20 mins </a:t>
+            </a:r>
+          </a:p>
+          <a:p>
+            <a:pPr lvl="1"/>
+            <a:r>
+              <a:rPr lang="en-US" sz="1400" dirty="0"/>
+              <a:t>15 mins to present the project </a:t>
+            </a:r>
+          </a:p>
+          <a:p>
+            <a:pPr lvl="1"/>
+            <a:r>
+              <a:rPr lang="en-US" sz="1400" dirty="0"/>
+              <a:t>5 mins for discussion and questions, evaluation</a:t>
+            </a:r>
+          </a:p>
+          <a:p>
+            <a:r>
+              <a:rPr lang="en-US" sz="1400" dirty="0"/>
+              <a:t>Presentation order:</a:t>
+            </a:r>
+          </a:p>
+          <a:p>
+            <a:pPr lvl="1"/>
+            <a:r>
+              <a:rPr lang="en-US" sz="1400" dirty="0"/>
+              <a:t>JB</a:t>
+            </a:r>
+          </a:p>
+          <a:p>
+            <a:pPr lvl="1"/>
+            <a:r>
+              <a:rPr lang="en-US" sz="1400" dirty="0"/>
+              <a:t>SB</a:t>
+            </a:r>
+          </a:p>
+          <a:p>
+            <a:pPr lvl="1"/>
             <a:r>
               <a:rPr lang="en-US" sz="1400"/>
-              <a:t>One submission per group for every group that presents </a:t>
-            </a:r>
-          </a:p>
-          <a:p>
-            <a:r>
-              <a:rPr lang="en-US" sz="1400"/>
-              <a:t>Each team will have 20 mins </a:t>
-            </a:r>
+              <a:t>NC</a:t>
+            </a:r>
+            <a:endParaRPr lang="en-US" sz="1400" dirty="0"/>
           </a:p>
           <a:p>
             <a:pPr lvl="1"/>
-            <a:r>
-              <a:rPr lang="en-US" sz="1400"/>
-              <a:t>15 mins to present the project </a:t>
-            </a:r>
+            <a:endParaRPr lang="en-US" sz="1400" dirty="0"/>
           </a:p>
           <a:p>
             <a:pPr lvl="1"/>
-            <a:r>
-              <a:rPr lang="en-US" sz="1400"/>
-              <a:t>5 mins for discussion and questions, evaluation</a:t>
-            </a:r>
-          </a:p>
-          <a:p>
-            <a:r>
-              <a:rPr lang="en-US" sz="1400"/>
-              <a:t>Presentation order:</a:t>
-            </a:r>
-          </a:p>
-          <a:p>
-            <a:pPr lvl="1"/>
-            <a:r>
-              <a:rPr lang="en-US" sz="1400"/>
-              <a:t>JB</a:t>
-            </a:r>
-          </a:p>
-          <a:p>
-            <a:pPr lvl="1"/>
-            <a:r>
-              <a:rPr lang="en-US" sz="1400"/>
-              <a:t>IJ</a:t>
-            </a:r>
-          </a:p>
-          <a:p>
-            <a:pPr lvl="1"/>
-            <a:r>
-              <a:rPr lang="en-US" sz="1400"/>
-              <a:t>GS</a:t>
-            </a:r>
-          </a:p>
-          <a:p>
-            <a:pPr lvl="1"/>
-            <a:endParaRPr lang="en-US" sz="1400"/>
-          </a:p>
-          <a:p>
-            <a:pPr lvl="1"/>
-            <a:endParaRPr lang="en-US" sz="1400"/>
+            <a:endParaRPr lang="en-US" sz="1400" dirty="0"/>
           </a:p>
         </p:txBody>
       </p:sp>
@@ -7843,14 +7836,6 @@
 </file>
 
 <file path=customXml/item2.xml><?xml version="1.0" encoding="utf-8"?>
-<p:properties xmlns:p="http://schemas.microsoft.com/office/2006/metadata/properties" xmlns:xsi="http://www.w3.org/2001/XMLSchema-instance" xmlns:pc="http://schemas.microsoft.com/office/infopath/2007/PartnerControls">
-  <documentManagement>
-    <MediaServiceKeyPoints xmlns="71af3243-3dd4-4a8d-8c0d-dd76da1f02a5" xsi:nil="true"/>
-  </documentManagement>
-</p:properties>
-</file>
-
-<file path=customXml/item3.xml><?xml version="1.0" encoding="utf-8"?>
 <ct:contentTypeSchema xmlns:ct="http://schemas.microsoft.com/office/2006/metadata/contentType" xmlns:ma="http://schemas.microsoft.com/office/2006/metadata/properties/metaAttributes" ct:_="" ma:_="" ma:contentTypeName="Document" ma:contentTypeID="0x01010079F111ED35F8CC479449609E8A0923A6" ma:contentTypeVersion="11" ma:contentTypeDescription="Create a new document." ma:contentTypeScope="" ma:versionID="96291512c1ee715ab617f4c07df79fc1">
   <xsd:schema xmlns:xsd="http://www.w3.org/2001/XMLSchema" xmlns:xs="http://www.w3.org/2001/XMLSchema" xmlns:p="http://schemas.microsoft.com/office/2006/metadata/properties" xmlns:ns2="71af3243-3dd4-4a8d-8c0d-dd76da1f02a5" xmlns:ns3="16c05727-aa75-4e4a-9b5f-8a80a1165891" targetNamespace="http://schemas.microsoft.com/office/2006/metadata/properties" ma:root="true" ma:fieldsID="8256c27c40ca5c40ce1cf6c44f0205df" ns2:_="" ns3:_="">
     <xsd:import namespace="71af3243-3dd4-4a8d-8c0d-dd76da1f02a5"/>
@@ -8061,6 +8046,14 @@
 </ct:contentTypeSchema>
 </file>
 
+<file path=customXml/item3.xml><?xml version="1.0" encoding="utf-8"?>
+<p:properties xmlns:p="http://schemas.microsoft.com/office/2006/metadata/properties" xmlns:xsi="http://www.w3.org/2001/XMLSchema-instance" xmlns:pc="http://schemas.microsoft.com/office/infopath/2007/PartnerControls">
+  <documentManagement>
+    <MediaServiceKeyPoints xmlns="71af3243-3dd4-4a8d-8c0d-dd76da1f02a5" xsi:nil="true"/>
+  </documentManagement>
+</p:properties>
+</file>
+
 <file path=customXml/itemProps1.xml><?xml version="1.0" encoding="utf-8"?>
 <ds:datastoreItem xmlns:ds="http://schemas.openxmlformats.org/officeDocument/2006/customXml" ds:itemID="{5CA875DA-F9FD-4F83-A049-3B1027B542DE}">
   <ds:schemaRefs>
@@ -8070,16 +8063,6 @@
 </file>
 
 <file path=customXml/itemProps2.xml><?xml version="1.0" encoding="utf-8"?>
-<ds:datastoreItem xmlns:ds="http://schemas.openxmlformats.org/officeDocument/2006/customXml" ds:itemID="{03C7D9E6-B0D9-433E-BD46-EB60F64F4DA8}">
-  <ds:schemaRefs>
-    <ds:schemaRef ds:uri="http://schemas.microsoft.com/office/2006/metadata/properties"/>
-    <ds:schemaRef ds:uri="http://schemas.microsoft.com/office/infopath/2007/PartnerControls"/>
-    <ds:schemaRef ds:uri="71af3243-3dd4-4a8d-8c0d-dd76da1f02a5"/>
-  </ds:schemaRefs>
-</ds:datastoreItem>
-</file>
-
-<file path=customXml/itemProps3.xml><?xml version="1.0" encoding="utf-8"?>
 <ds:datastoreItem xmlns:ds="http://schemas.openxmlformats.org/officeDocument/2006/customXml" ds:itemID="{B2AB02E3-5ADF-4BF0-9C1B-35CDF3FE95B0}">
   <ds:schemaRefs>
     <ds:schemaRef ds:uri="http://schemas.microsoft.com/office/2006/metadata/contentType"/>
@@ -8096,4 +8079,14 @@
     <ds:schemaRef ds:uri="http://schemas.microsoft.com/internal/obd"/>
   </ds:schemaRefs>
 </ds:datastoreItem>
+</file>
+
+<file path=customXml/itemProps3.xml><?xml version="1.0" encoding="utf-8"?>
+<ds:datastoreItem xmlns:ds="http://schemas.openxmlformats.org/officeDocument/2006/customXml" ds:itemID="{03C7D9E6-B0D9-433E-BD46-EB60F64F4DA8}">
+  <ds:schemaRefs>
+    <ds:schemaRef ds:uri="http://schemas.microsoft.com/office/2006/metadata/properties"/>
+    <ds:schemaRef ds:uri="http://schemas.microsoft.com/office/infopath/2007/PartnerControls"/>
+    <ds:schemaRef ds:uri="71af3243-3dd4-4a8d-8c0d-dd76da1f02a5"/>
+  </ds:schemaRefs>
+</ds:datastoreItem>
 </file>